--- a/Java_Later/JMS/3/JMS API Programming Model.pptx
+++ b/Java_Later/JMS/3/JMS API Programming Model.pptx
@@ -5,13 +5,14 @@
     <p:sldMasterId id="2147483672" r:id="rId1"/>
   </p:sldMasterIdLst>
   <p:notesMasterIdLst>
-    <p:notesMasterId r:id="rId6"/>
+    <p:notesMasterId r:id="rId7"/>
   </p:notesMasterIdLst>
   <p:sldIdLst>
     <p:sldId id="457" r:id="rId2"/>
     <p:sldId id="460" r:id="rId3"/>
     <p:sldId id="458" r:id="rId4"/>
     <p:sldId id="459" r:id="rId5"/>
+    <p:sldId id="461" r:id="rId6"/>
   </p:sldIdLst>
   <p:sldSz cx="9144000" cy="5029200"/>
   <p:notesSz cx="6858000" cy="9144000"/>
@@ -801,6 +802,95 @@
             <a:fld id="{A883C400-BD9D-4609-A213-F91E9750031E}" type="slidenum">
               <a:rPr lang="en-US" smtClean="0"/>
               <a:t>4</a:t>
+            </a:fld>
+            <a:endParaRPr lang="en-US" dirty="0"/>
+          </a:p>
+        </p:txBody>
+      </p:sp>
+    </p:spTree>
+    <p:extLst>
+      <p:ext uri="{BB962C8B-B14F-4D97-AF65-F5344CB8AC3E}">
+        <p14:creationId xmlns:p14="http://schemas.microsoft.com/office/powerpoint/2010/main" val="4195558700"/>
+      </p:ext>
+    </p:extLst>
+  </p:cSld>
+  <p:clrMapOvr>
+    <a:masterClrMapping/>
+  </p:clrMapOvr>
+</p:notes>
+</file>
+
+<file path=ppt/notesSlides/notesSlide5.xml><?xml version="1.0" encoding="utf-8"?>
+<p:notes xmlns:a="http://schemas.openxmlformats.org/drawingml/2006/main" xmlns:r="http://schemas.openxmlformats.org/officeDocument/2006/relationships" xmlns:p="http://schemas.openxmlformats.org/presentationml/2006/main">
+  <p:cSld>
+    <p:spTree>
+      <p:nvGrpSpPr>
+        <p:cNvPr id="1" name=""/>
+        <p:cNvGrpSpPr/>
+        <p:nvPr/>
+      </p:nvGrpSpPr>
+      <p:grpSpPr>
+        <a:xfrm>
+          <a:off x="0" y="0"/>
+          <a:ext cx="0" cy="0"/>
+          <a:chOff x="0" y="0"/>
+          <a:chExt cx="0" cy="0"/>
+        </a:xfrm>
+      </p:grpSpPr>
+      <p:sp>
+        <p:nvSpPr>
+          <p:cNvPr id="2" name="Slide Image Placeholder 1"/>
+          <p:cNvSpPr>
+            <a:spLocks noGrp="1" noRot="1" noChangeAspect="1"/>
+          </p:cNvSpPr>
+          <p:nvPr>
+            <p:ph type="sldImg"/>
+          </p:nvPr>
+        </p:nvSpPr>
+        <p:spPr>
+          <a:xfrm>
+            <a:off x="312738" y="685800"/>
+            <a:ext cx="6232525" cy="3429000"/>
+          </a:xfrm>
+        </p:spPr>
+      </p:sp>
+      <p:sp>
+        <p:nvSpPr>
+          <p:cNvPr id="3" name="Notes Placeholder 2"/>
+          <p:cNvSpPr>
+            <a:spLocks noGrp="1"/>
+          </p:cNvSpPr>
+          <p:nvPr>
+            <p:ph type="body" idx="1"/>
+          </p:nvPr>
+        </p:nvSpPr>
+        <p:spPr/>
+        <p:txBody>
+          <a:bodyPr/>
+          <a:lstStyle/>
+          <a:p>
+            <a:endParaRPr lang="en-US" dirty="0"/>
+          </a:p>
+        </p:txBody>
+      </p:sp>
+      <p:sp>
+        <p:nvSpPr>
+          <p:cNvPr id="4" name="Slide Number Placeholder 3"/>
+          <p:cNvSpPr>
+            <a:spLocks noGrp="1"/>
+          </p:cNvSpPr>
+          <p:nvPr>
+            <p:ph type="sldNum" sz="quarter" idx="10"/>
+          </p:nvPr>
+        </p:nvSpPr>
+        <p:spPr/>
+        <p:txBody>
+          <a:bodyPr/>
+          <a:lstStyle/>
+          <a:p>
+            <a:fld id="{A883C400-BD9D-4609-A213-F91E9750031E}" type="slidenum">
+              <a:rPr lang="en-US" smtClean="0"/>
+              <a:t>5</a:t>
             </a:fld>
             <a:endParaRPr lang="en-US" dirty="0"/>
           </a:p>
@@ -5890,6 +5980,465 @@
     <p:extLst>
       <p:ext uri="{BB962C8B-B14F-4D97-AF65-F5344CB8AC3E}">
         <p14:creationId xmlns:p14="http://schemas.microsoft.com/office/powerpoint/2010/main" val="1978362450"/>
+      </p:ext>
+    </p:extLst>
+  </p:cSld>
+  <p:clrMapOvr>
+    <a:masterClrMapping/>
+  </p:clrMapOvr>
+  <mc:AlternateContent xmlns:mc="http://schemas.openxmlformats.org/markup-compatibility/2006" xmlns:p14="http://schemas.microsoft.com/office/powerpoint/2010/main">
+    <mc:Choice Requires="p14">
+      <p:transition spd="slow" p14:dur="2000"/>
+    </mc:Choice>
+    <mc:Fallback xmlns="">
+      <p:transition spd="slow"/>
+    </mc:Fallback>
+  </mc:AlternateContent>
+  <p:timing>
+    <p:tnLst>
+      <p:par>
+        <p:cTn id="1" dur="indefinite" restart="never" nodeType="tmRoot"/>
+      </p:par>
+    </p:tnLst>
+  </p:timing>
+</p:sld>
+</file>
+
+<file path=ppt/slides/slide5.xml><?xml version="1.0" encoding="utf-8"?>
+<p:sld xmlns:a="http://schemas.openxmlformats.org/drawingml/2006/main" xmlns:r="http://schemas.openxmlformats.org/officeDocument/2006/relationships" xmlns:p="http://schemas.openxmlformats.org/presentationml/2006/main">
+  <p:cSld>
+    <p:spTree>
+      <p:nvGrpSpPr>
+        <p:cNvPr id="1" name=""/>
+        <p:cNvGrpSpPr/>
+        <p:nvPr/>
+      </p:nvGrpSpPr>
+      <p:grpSpPr>
+        <a:xfrm>
+          <a:off x="0" y="0"/>
+          <a:ext cx="0" cy="0"/>
+          <a:chOff x="0" y="0"/>
+          <a:chExt cx="0" cy="0"/>
+        </a:xfrm>
+      </p:grpSpPr>
+      <p:sp>
+        <p:nvSpPr>
+          <p:cNvPr id="3" name="AutoShape 2" descr="data:image/png;base64,iVBORw0KGgoAAAANSUhEUgAAANEAAADxCAMAAABiSKLrAAAAbFBMVEWIiIj////6+vr29vb19fX4+Pj5+fnu7u77+/v39/f9/f3z8/P+/v709PT8/Pyqqqrt7e3v7+/w8PDx8fHy8vK+vr7Q0NCjo6OBgYHY2Njk5OTHx8eNjY3c3NzGxsbn5+eWlpa1tbWcnJx6enob4+f+AAAIqklEQVR4nO3dCZuaOhQGYEZAh0FkX2W1//8/lkVMICeIkRmOPHz22lYg5OVEZLFzJRNrnC+xSGt3nJvQekMUYktnEiM1ouDrjCs/pukLkzoRtpjmNRcloRUFoiS8oo5UvLwsYpEgCaXoHLYiMRJqkRAJt0iEhFwkQMIqCgJRElpRLErCL3r1oxavSJSEWCRIQikyOtGQNPd8CaXICc04FiXhFomQkIsESChFbmhmwiT0opf3eBivMzSjLuORnh49oKxRKxIloayR24oESShFRScSI6EUJaGZCJNwiwhp/skFcpFAlbCLXiehF71MQisSJiEVVYkwqRP9oEpXI1HSXXRuWjo/2jz3f3v8YfjS7871lbU1EiT1IjrAKrvX/2iurzisijkk8OQC5ah7iERIyEUCJOyi10noRU9J490DUpFPRAApniJhFVnzSaOdOF6RKAmlKGhFgiTMohdIyYeIhEh30aV99E9NLo8VXLqn++Q/mIuIREid6DJsv32s91Ityi1hEtJRl5+ESX2NMKUR2ZYoCbNIjIRV5FiiJIyicx7mriVEKnCKfvxadBIloRQ1NTqJkcICpcgPr7rjOPYJZnFNbZVwikw/YHNlXmDi4xW9kU70jSnNqOu/xL4R0aWg3yNMgNHWp0I66i7Dy5PsdXFuApw1Eg8RndfuykLZa4Q/512EPrsIfzYtOmwje43wh4h+1u7KQvm5bk601wh9NlijXYQ+uwh/HqLrZkTXh+h4PDQP8lQ/PvAlSrT2xl0oRHQ5biOXXYQ+uwh/dhH+7CL82bRI3Ua2XKPvtTfuQvneReizi/BnF+HPLsKfTYu0bYQWsd5PfImIDmtv3IVy2EXos4vwZxfhzy7CH0okbyO7CH+2/D46rr1xF8pxF6HPLsKfXYQ/uwh/KJGyjWxatPZwWShEpK69cReKuovQZxfhzy7Cn12EP0SkGduItmHRzFF3P3r63ZHzTl4YdYqsHg/e/YdF2e7xcFRVrba109gMFp2evGhmjzpFVZLcvJVpl7K8hWaVB1liNVNdJh7VZ4Wd7P4aaa5I866lFEnDRHWksC5eVgtH8VWy8PHGTE5V/rr+QqSocTnm9CpTM+SMmRhVVJcPKbPYv5VFcs7x1F3P1eeikl1sXZHGB0lRLH+eSI75ICk6KZ8nctkOkaQN+cNEWjBRIimU0YpkHY4hmxOgqNIMHRaRJo6giLO+dyM/F1nsvpfqWVAv92Eihe0u3bNE+TgR/FkURfWhUHPMIBsguh6N0yKNs7o/EGkVIEpj+XA8fltJ0GzqDxMdQwBka+2gqQ/p9FYkpaNIiEXuje3OddQfg738rFCTcYmME9sdKXntbY1MBOy802JrotJ6bSUiInLia7y2+aZEbXuyxXbn5vXXGQazDs+6xUWGoql2kXU/DDrOssLWNFmZ65oQufeflwvU6PHDdO8ki/0xu/Rb7RVRvZNJgupW7y3bU+T6JLnej97MPLNUhbPIbJEV9U2y/eknHds5lfhfNMo/sb23oRX5LQXWGUmpGdtz3nxEpOiep7eP+5MFUEZJj+0SCnsCVX/CkrZUQFRvQG+8RkNOzHTi5LL0rW6x8YL0bwolGtdolqir0fQxAyQCNrdsVczFmdFS6fXp+4kSecPMEqntrAYkkklTYI288frkYKI+j+XCYtzRUdCIdMV/7mkWTDNmY6AU6bo5C9QknqwSEpFuzAdJUjZFQiJSoFMWfhIDu0ievDjD5ubquEV6AjVet3krU3B/Hvn8cYdDBJxUSlKVaJqmWvENMiXcImEQKcCYi26W1nZaN9SAXXFkcos0JZpxXLeICDpLDnVSBDkDusAtEhGN72p5J78LcMbn9+nudemgiDSlASLF66cC20NKbZ3qCnAnIfKp9gcxiIjVPj8/8mbVCBY9VsNes42C4YgBrgyUJ06NpkRdCuD8yB418pYIOkl2hyuQ2SOkKOMMO4M76vrBB4sG84Cjjrr5Cooeo4TdLwyGbLsC4IKgD93dHY66lUQye7gQxfqgfdcDhr7JeSOtLoL2dOn4KEdX2E+s0hp24j3RaUERsPnLLBmlYPceaYJVBB0Bja85p8ANn3rXgFX02kEqaSGAeywoGs7zjghYdqYoxyp68USCtMDZfX+wqHomav53fkBcWDSYx4NEBpkuAyLj3oSwSDIVsMM6ETVAp/3V/KG2tP/xRPRccI1IW7Comyr8PupE9052bbW/0yLHpX/1T1wRmQuskULa4oqcd/Z1pjLu6li0zqgDP49m5fmo+2NR3z50zFBYczLsBB6Rxx6y8Q5wRoE7LCaylhM5BnTs7cGdmZP1RZzdygeLXOjW9fg94jYXUnjjbBHRcJ5nImVKBA67fFgkL/HzIE4KRW7vM0/i/kQ0WSPHg75KldHdqc+h7pfZ0jKs/GuDM3hvNSLizSEqoroE1Yia7ELf00kIWS/o09z+EmLA6bC3hMh9TwRskDq51x47e4Zzhc73Qt64wyByPOjmUVT6cZZkcQV+0zxNflX05qgD36tSe3MilcCr1FLEe9sPRDYYjmgwD1wjMl1hm4h0ugF43PETVd6wB3RbKES2Pu+2cr9waHFBWESO+8JtyxrkckFYRDa8dxAAoRHNH3hRNTHkUIlsY9Z3TqR6LzcFokScSsKi4TzPRMYske0VT78XJJkJZ8uTzojV6FdEtmNkE9/diqLUzJTpAtmzalQyF6FvI5ETA9+OpraQwTYhwRvQMYqryX6sNn8vq8AynnqoGuXuCY7N/vMR3R7N47DzePR04J+gjJt4rM7V3SzwzbC8FzYtb2Z1jQtDd3nLDOLmD1E9v90++qfT4Lfh5N+cq/508shXb5st6Ll1cWa2RYu2EUo0p6QfkF2EP7sIf3YR/hCRs3ZXFoqzYdEGR92su1D4Q486yzq1D/L0iS85W67R2l1ZKLsIfzYs4l05+bg8rpxU/lZS3UXbyvZE/wFXu+LXNTDaDQAAAABJRU5ErkJggg=="/>
+          <p:cNvSpPr>
+            <a:spLocks noChangeAspect="1" noChangeArrowheads="1"/>
+          </p:cNvSpPr>
+          <p:nvPr/>
+        </p:nvSpPr>
+        <p:spPr bwMode="auto">
+          <a:xfrm>
+            <a:off x="155575" y="-144463"/>
+            <a:ext cx="304800" cy="304801"/>
+          </a:xfrm>
+          <a:prstGeom prst="rect">
+            <a:avLst/>
+          </a:prstGeom>
+          <a:noFill/>
+          <a:extLst>
+            <a:ext uri="{909E8E84-426E-40DD-AFC4-6F175D3DCCD1}">
+              <a14:hiddenFill xmlns:a14="http://schemas.microsoft.com/office/drawing/2010/main">
+                <a:solidFill>
+                  <a:srgbClr val="FFFFFF"/>
+                </a:solidFill>
+              </a14:hiddenFill>
+            </a:ext>
+          </a:extLst>
+        </p:spPr>
+        <p:txBody>
+          <a:bodyPr vert="horz" wrap="square" lIns="91440" tIns="45720" rIns="91440" bIns="45720" numCol="1" anchor="t" anchorCtr="0" compatLnSpc="1">
+            <a:prstTxWarp prst="textNoShape">
+              <a:avLst/>
+            </a:prstTxWarp>
+          </a:bodyPr>
+          <a:lstStyle/>
+          <a:p>
+            <a:endParaRPr lang="en-US" sz="1200" dirty="0"/>
+          </a:p>
+        </p:txBody>
+      </p:sp>
+      <p:sp>
+        <p:nvSpPr>
+          <p:cNvPr id="2" name="AutoShape 2" descr="Image result for file"/>
+          <p:cNvSpPr>
+            <a:spLocks noChangeAspect="1" noChangeArrowheads="1"/>
+          </p:cNvSpPr>
+          <p:nvPr/>
+        </p:nvSpPr>
+        <p:spPr bwMode="auto">
+          <a:xfrm>
+            <a:off x="307975" y="7937"/>
+            <a:ext cx="304800" cy="304801"/>
+          </a:xfrm>
+          <a:prstGeom prst="rect">
+            <a:avLst/>
+          </a:prstGeom>
+          <a:noFill/>
+          <a:extLst>
+            <a:ext uri="{909E8E84-426E-40DD-AFC4-6F175D3DCCD1}">
+              <a14:hiddenFill xmlns:a14="http://schemas.microsoft.com/office/drawing/2010/main">
+                <a:solidFill>
+                  <a:srgbClr val="FFFFFF"/>
+                </a:solidFill>
+              </a14:hiddenFill>
+            </a:ext>
+          </a:extLst>
+        </p:spPr>
+        <p:txBody>
+          <a:bodyPr vert="horz" wrap="square" lIns="91440" tIns="45720" rIns="91440" bIns="45720" numCol="1" anchor="t" anchorCtr="0" compatLnSpc="1">
+            <a:prstTxWarp prst="textNoShape">
+              <a:avLst/>
+            </a:prstTxWarp>
+          </a:bodyPr>
+          <a:lstStyle/>
+          <a:p>
+            <a:endParaRPr lang="en-US" dirty="0"/>
+          </a:p>
+        </p:txBody>
+      </p:sp>
+      <p:sp>
+        <p:nvSpPr>
+          <p:cNvPr id="9" name="Rectangle 8"/>
+          <p:cNvSpPr/>
+          <p:nvPr/>
+        </p:nvSpPr>
+        <p:spPr>
+          <a:xfrm>
+            <a:off x="3429000" y="35739"/>
+            <a:ext cx="2057400" cy="276999"/>
+          </a:xfrm>
+          <a:prstGeom prst="rect">
+            <a:avLst/>
+          </a:prstGeom>
+        </p:spPr>
+        <p:style>
+          <a:lnRef idx="1">
+            <a:schemeClr val="accent4"/>
+          </a:lnRef>
+          <a:fillRef idx="3">
+            <a:schemeClr val="accent4"/>
+          </a:fillRef>
+          <a:effectRef idx="2">
+            <a:schemeClr val="accent4"/>
+          </a:effectRef>
+          <a:fontRef idx="minor">
+            <a:schemeClr val="lt1"/>
+          </a:fontRef>
+        </p:style>
+        <p:txBody>
+          <a:bodyPr wrap="square">
+            <a:spAutoFit/>
+          </a:bodyPr>
+          <a:lstStyle>
+            <a:defPPr>
+              <a:defRPr lang="en-US"/>
+            </a:defPPr>
+            <a:lvl1pPr marL="0" algn="l" defTabSz="914400" rtl="0" eaLnBrk="1" latinLnBrk="0" hangingPunct="1">
+              <a:defRPr sz="1800" kern="1200">
+                <a:solidFill>
+                  <a:schemeClr val="lt1"/>
+                </a:solidFill>
+                <a:latin typeface="+mn-lt"/>
+                <a:ea typeface="+mn-ea"/>
+                <a:cs typeface="+mn-cs"/>
+              </a:defRPr>
+            </a:lvl1pPr>
+            <a:lvl2pPr marL="457200" algn="l" defTabSz="914400" rtl="0" eaLnBrk="1" latinLnBrk="0" hangingPunct="1">
+              <a:defRPr sz="1800" kern="1200">
+                <a:solidFill>
+                  <a:schemeClr val="lt1"/>
+                </a:solidFill>
+                <a:latin typeface="+mn-lt"/>
+                <a:ea typeface="+mn-ea"/>
+                <a:cs typeface="+mn-cs"/>
+              </a:defRPr>
+            </a:lvl2pPr>
+            <a:lvl3pPr marL="914400" algn="l" defTabSz="914400" rtl="0" eaLnBrk="1" latinLnBrk="0" hangingPunct="1">
+              <a:defRPr sz="1800" kern="1200">
+                <a:solidFill>
+                  <a:schemeClr val="lt1"/>
+                </a:solidFill>
+                <a:latin typeface="+mn-lt"/>
+                <a:ea typeface="+mn-ea"/>
+                <a:cs typeface="+mn-cs"/>
+              </a:defRPr>
+            </a:lvl3pPr>
+            <a:lvl4pPr marL="1371600" algn="l" defTabSz="914400" rtl="0" eaLnBrk="1" latinLnBrk="0" hangingPunct="1">
+              <a:defRPr sz="1800" kern="1200">
+                <a:solidFill>
+                  <a:schemeClr val="lt1"/>
+                </a:solidFill>
+                <a:latin typeface="+mn-lt"/>
+                <a:ea typeface="+mn-ea"/>
+                <a:cs typeface="+mn-cs"/>
+              </a:defRPr>
+            </a:lvl4pPr>
+            <a:lvl5pPr marL="1828800" algn="l" defTabSz="914400" rtl="0" eaLnBrk="1" latinLnBrk="0" hangingPunct="1">
+              <a:defRPr sz="1800" kern="1200">
+                <a:solidFill>
+                  <a:schemeClr val="lt1"/>
+                </a:solidFill>
+                <a:latin typeface="+mn-lt"/>
+                <a:ea typeface="+mn-ea"/>
+                <a:cs typeface="+mn-cs"/>
+              </a:defRPr>
+            </a:lvl5pPr>
+            <a:lvl6pPr marL="2286000" algn="l" defTabSz="914400" rtl="0" eaLnBrk="1" latinLnBrk="0" hangingPunct="1">
+              <a:defRPr sz="1800" kern="1200">
+                <a:solidFill>
+                  <a:schemeClr val="lt1"/>
+                </a:solidFill>
+                <a:latin typeface="+mn-lt"/>
+                <a:ea typeface="+mn-ea"/>
+                <a:cs typeface="+mn-cs"/>
+              </a:defRPr>
+            </a:lvl6pPr>
+            <a:lvl7pPr marL="2743200" algn="l" defTabSz="914400" rtl="0" eaLnBrk="1" latinLnBrk="0" hangingPunct="1">
+              <a:defRPr sz="1800" kern="1200">
+                <a:solidFill>
+                  <a:schemeClr val="lt1"/>
+                </a:solidFill>
+                <a:latin typeface="+mn-lt"/>
+                <a:ea typeface="+mn-ea"/>
+                <a:cs typeface="+mn-cs"/>
+              </a:defRPr>
+            </a:lvl7pPr>
+            <a:lvl8pPr marL="3200400" algn="l" defTabSz="914400" rtl="0" eaLnBrk="1" latinLnBrk="0" hangingPunct="1">
+              <a:defRPr sz="1800" kern="1200">
+                <a:solidFill>
+                  <a:schemeClr val="lt1"/>
+                </a:solidFill>
+                <a:latin typeface="+mn-lt"/>
+                <a:ea typeface="+mn-ea"/>
+                <a:cs typeface="+mn-cs"/>
+              </a:defRPr>
+            </a:lvl8pPr>
+            <a:lvl9pPr marL="3657600" algn="l" defTabSz="914400" rtl="0" eaLnBrk="1" latinLnBrk="0" hangingPunct="1">
+              <a:defRPr sz="1800" kern="1200">
+                <a:solidFill>
+                  <a:schemeClr val="lt1"/>
+                </a:solidFill>
+                <a:latin typeface="+mn-lt"/>
+                <a:ea typeface="+mn-ea"/>
+                <a:cs typeface="+mn-cs"/>
+              </a:defRPr>
+            </a:lvl9pPr>
+          </a:lstStyle>
+          <a:p>
+            <a:pPr algn="ctr" fontAlgn="base"/>
+            <a:r>
+              <a:rPr lang="en-US" sz="1200" i="1" dirty="0"/>
+              <a:t>JMS API Programming Model </a:t>
+            </a:r>
+            <a:endParaRPr lang="en-US" sz="1200" dirty="0"/>
+          </a:p>
+        </p:txBody>
+      </p:sp>
+      <p:sp>
+        <p:nvSpPr>
+          <p:cNvPr id="5" name="Rectangle 4"/>
+          <p:cNvSpPr/>
+          <p:nvPr/>
+        </p:nvSpPr>
+        <p:spPr>
+          <a:xfrm>
+            <a:off x="307975" y="457200"/>
+            <a:ext cx="8683625" cy="1905000"/>
+          </a:xfrm>
+          <a:prstGeom prst="rect">
+            <a:avLst/>
+          </a:prstGeom>
+          <a:ln w="3175"/>
+        </p:spPr>
+        <p:style>
+          <a:lnRef idx="2">
+            <a:schemeClr val="accent4"/>
+          </a:lnRef>
+          <a:fillRef idx="1">
+            <a:schemeClr val="lt1"/>
+          </a:fillRef>
+          <a:effectRef idx="0">
+            <a:schemeClr val="accent4"/>
+          </a:effectRef>
+          <a:fontRef idx="minor">
+            <a:schemeClr val="dk1"/>
+          </a:fontRef>
+        </p:style>
+        <p:txBody>
+          <a:bodyPr rtlCol="0" anchor="ctr"/>
+          <a:lstStyle/>
+          <a:p>
+            <a:pPr fontAlgn="base"/>
+            <a:r>
+              <a:rPr lang="en-US" sz="1200" b="1" dirty="0"/>
+              <a:t>Persistent/Non-persistent Messages [Aka Delivery Mode : for Messages</a:t>
+            </a:r>
+            <a:r>
+              <a:rPr lang="en-US" sz="1200" b="1" dirty="0" smtClean="0"/>
+              <a:t>]</a:t>
+            </a:r>
+            <a:br>
+              <a:rPr lang="en-US" sz="1200" b="1" dirty="0" smtClean="0"/>
+            </a:br>
+            <a:endParaRPr lang="en-US" sz="1200" b="1" dirty="0"/>
+          </a:p>
+          <a:p>
+            <a:pPr marL="171450" indent="-171450" fontAlgn="base">
+              <a:buFont typeface="Wingdings" pitchFamily="2" charset="2"/>
+              <a:buChar char="ü"/>
+            </a:pPr>
+            <a:r>
+              <a:rPr lang="en-US" sz="1200" dirty="0"/>
+              <a:t>Delivery Mode refers to persistence/non-persistence of messages which can be specified on MessageProducer level as well as on individual message level. </a:t>
+            </a:r>
+            <a:endParaRPr lang="en-US" sz="1200" dirty="0" smtClean="0"/>
+          </a:p>
+          <a:p>
+            <a:pPr marL="171450" indent="-171450" fontAlgn="base">
+              <a:buFont typeface="Wingdings" pitchFamily="2" charset="2"/>
+              <a:buChar char="ü"/>
+            </a:pPr>
+            <a:endParaRPr lang="en-US" sz="1200" dirty="0"/>
+          </a:p>
+          <a:p>
+            <a:pPr marL="171450" indent="-171450" fontAlgn="base">
+              <a:buFont typeface="Wingdings" pitchFamily="2" charset="2"/>
+              <a:buChar char="ü"/>
+            </a:pPr>
+            <a:r>
+              <a:rPr lang="en-US" sz="1200" dirty="0" smtClean="0"/>
+              <a:t>Default </a:t>
+            </a:r>
+            <a:r>
+              <a:rPr lang="en-US" sz="1200" dirty="0"/>
+              <a:t>delivery mode is PERSISTENT, means messages will be stored on disk/database until it is consumed by a consumer, and will survive a broker restart. </a:t>
+            </a:r>
+            <a:endParaRPr lang="en-US" sz="1200" dirty="0" smtClean="0"/>
+          </a:p>
+          <a:p>
+            <a:pPr marL="171450" indent="-171450" fontAlgn="base">
+              <a:buFont typeface="Wingdings" pitchFamily="2" charset="2"/>
+              <a:buChar char="ü"/>
+            </a:pPr>
+            <a:endParaRPr lang="en-US" sz="1200" dirty="0"/>
+          </a:p>
+          <a:p>
+            <a:pPr marL="171450" indent="-171450" fontAlgn="base">
+              <a:buFont typeface="Wingdings" pitchFamily="2" charset="2"/>
+              <a:buChar char="ü"/>
+            </a:pPr>
+            <a:r>
+              <a:rPr lang="en-US" sz="1200" dirty="0" smtClean="0"/>
+              <a:t>When </a:t>
+            </a:r>
+            <a:r>
+              <a:rPr lang="en-US" sz="1200" dirty="0"/>
+              <a:t>using non-persistent delivery, if you kill a broker then you will lose all in-transit messages</a:t>
+            </a:r>
+            <a:r>
+              <a:rPr lang="en-US" sz="1200" dirty="0" smtClean="0"/>
+              <a:t>.</a:t>
+            </a:r>
+            <a:endParaRPr lang="en-US" sz="1200" dirty="0"/>
+          </a:p>
+        </p:txBody>
+      </p:sp>
+      <p:sp>
+        <p:nvSpPr>
+          <p:cNvPr id="8" name="Rectangle 7"/>
+          <p:cNvSpPr/>
+          <p:nvPr/>
+        </p:nvSpPr>
+        <p:spPr>
+          <a:xfrm>
+            <a:off x="307975" y="2819400"/>
+            <a:ext cx="8683625" cy="1905000"/>
+          </a:xfrm>
+          <a:prstGeom prst="rect">
+            <a:avLst/>
+          </a:prstGeom>
+          <a:ln w="3175"/>
+        </p:spPr>
+        <p:style>
+          <a:lnRef idx="2">
+            <a:schemeClr val="accent4"/>
+          </a:lnRef>
+          <a:fillRef idx="1">
+            <a:schemeClr val="lt1"/>
+          </a:fillRef>
+          <a:effectRef idx="0">
+            <a:schemeClr val="accent4"/>
+          </a:effectRef>
+          <a:fontRef idx="minor">
+            <a:schemeClr val="dk1"/>
+          </a:fontRef>
+        </p:style>
+        <p:txBody>
+          <a:bodyPr rtlCol="0" anchor="ctr"/>
+          <a:lstStyle/>
+          <a:p>
+            <a:pPr fontAlgn="base"/>
+            <a:r>
+              <a:rPr lang="en-US" sz="1200" b="1" dirty="0"/>
+              <a:t>Durable / Non-durable subscriptions[for Topics</a:t>
+            </a:r>
+            <a:r>
+              <a:rPr lang="en-US" sz="1200" b="1" dirty="0" smtClean="0"/>
+              <a:t>]</a:t>
+            </a:r>
+          </a:p>
+          <a:p>
+            <a:pPr fontAlgn="base"/>
+            <a:endParaRPr lang="en-US" sz="1200" b="1" dirty="0"/>
+          </a:p>
+          <a:p>
+            <a:pPr fontAlgn="base"/>
+            <a:r>
+              <a:rPr lang="en-US" sz="1200" dirty="0"/>
+              <a:t>Subscription refers to subscription on a topic. </a:t>
+            </a:r>
+            <a:endParaRPr lang="en-US" sz="1200" dirty="0" smtClean="0"/>
+          </a:p>
+          <a:p>
+            <a:pPr fontAlgn="base"/>
+            <a:endParaRPr lang="en-US" sz="1200" dirty="0"/>
+          </a:p>
+          <a:p>
+            <a:pPr fontAlgn="base"/>
+            <a:r>
+              <a:rPr lang="en-US" sz="1200" dirty="0" smtClean="0"/>
+              <a:t>With </a:t>
+            </a:r>
+            <a:r>
+              <a:rPr lang="en-US" sz="1200" dirty="0"/>
+              <a:t>a durable subscription, if the subscriber [which has subscribed for message on a topic] is down for some time, once it comes up, it will receive all the messages sent for it(including the ones sent when it was down). </a:t>
+            </a:r>
+            <a:endParaRPr lang="en-US" sz="1200" dirty="0" smtClean="0"/>
+          </a:p>
+          <a:p>
+            <a:pPr fontAlgn="base"/>
+            <a:endParaRPr lang="en-US" sz="1200" dirty="0"/>
+          </a:p>
+          <a:p>
+            <a:pPr fontAlgn="base"/>
+            <a:r>
+              <a:rPr lang="en-US" sz="1200" dirty="0" smtClean="0"/>
+              <a:t>With </a:t>
+            </a:r>
+            <a:r>
+              <a:rPr lang="en-US" sz="1200" dirty="0"/>
+              <a:t>Non-durable subscription, a subscriber will receive only the messages when it was connected to topic (will loose all the ones sent when it was down). Note that this is not applicable for Queue’s as they can be considered always durable [only one consumer, and it will always receive the message destined for it in queue].</a:t>
+            </a:r>
+          </a:p>
+        </p:txBody>
+      </p:sp>
+    </p:spTree>
+    <p:extLst>
+      <p:ext uri="{BB962C8B-B14F-4D97-AF65-F5344CB8AC3E}">
+        <p14:creationId xmlns:p14="http://schemas.microsoft.com/office/powerpoint/2010/main" val="3145333951"/>
       </p:ext>
     </p:extLst>
   </p:cSld>
